--- a/PowerPoint/FLUTTER_EP89.pptx
+++ b/PowerPoint/FLUTTER_EP89.pptx
@@ -5,7 +5,7 @@
     <p:sldMasterId id="2147483929" r:id="rId1"/>
   </p:sldMasterIdLst>
   <p:notesMasterIdLst>
-    <p:notesMasterId r:id="rId8"/>
+    <p:notesMasterId r:id="rId9"/>
   </p:notesMasterIdLst>
   <p:sldIdLst>
     <p:sldId id="256" r:id="rId2"/>
@@ -14,6 +14,7 @@
     <p:sldId id="306" r:id="rId5"/>
     <p:sldId id="307" r:id="rId6"/>
     <p:sldId id="308" r:id="rId7"/>
+    <p:sldId id="309" r:id="rId8"/>
   </p:sldIdLst>
   <p:sldSz cx="12192000" cy="6858000"/>
   <p:notesSz cx="6858000" cy="9144000"/>
@@ -4706,13 +4707,8 @@
             </a:pPr>
             <a:r>
               <a:rPr lang="en-US" sz="3200" smtClean="0"/>
-              <a:t>Column, Row, </a:t>
-            </a:r>
-            <a:r>
-              <a:rPr lang="en-US" sz="3200" smtClean="0"/>
-              <a:t>ListView, Expanded</a:t>
-            </a:r>
-            <a:endParaRPr lang="en-US" sz="3200" smtClean="0"/>
+              <a:t>Column, Row, ListView, Expanded</a:t>
+            </a:r>
           </a:p>
           <a:p>
             <a:pPr>
@@ -6366,6 +6362,217 @@
     <p:extLst>
       <p:ext uri="{BB962C8B-B14F-4D97-AF65-F5344CB8AC3E}">
         <p14:creationId xmlns:p14="http://schemas.microsoft.com/office/powerpoint/2010/main" val="4018835231"/>
+      </p:ext>
+    </p:extLst>
+  </p:cSld>
+  <p:clrMapOvr>
+    <a:masterClrMapping/>
+  </p:clrMapOvr>
+  <mc:AlternateContent xmlns:mc="http://schemas.openxmlformats.org/markup-compatibility/2006" xmlns:p14="http://schemas.microsoft.com/office/powerpoint/2010/main">
+    <mc:Choice Requires="p14">
+      <p:transition spd="slow" p14:dur="2000"/>
+    </mc:Choice>
+    <mc:Fallback xmlns="">
+      <p:transition spd="slow"/>
+    </mc:Fallback>
+  </mc:AlternateContent>
+</p:sld>
+</file>
+
+<file path=ppt/slides/slide7.xml><?xml version="1.0" encoding="utf-8"?>
+<p:sld xmlns:a="http://schemas.openxmlformats.org/drawingml/2006/main" xmlns:r="http://schemas.openxmlformats.org/officeDocument/2006/relationships" xmlns:p="http://schemas.openxmlformats.org/presentationml/2006/main">
+  <p:cSld>
+    <p:spTree>
+      <p:nvGrpSpPr>
+        <p:cNvPr id="1" name=""/>
+        <p:cNvGrpSpPr/>
+        <p:nvPr/>
+      </p:nvGrpSpPr>
+      <p:grpSpPr>
+        <a:xfrm>
+          <a:off x="0" y="0"/>
+          <a:ext cx="0" cy="0"/>
+          <a:chOff x="0" y="0"/>
+          <a:chExt cx="0" cy="0"/>
+        </a:xfrm>
+      </p:grpSpPr>
+      <p:sp>
+        <p:nvSpPr>
+          <p:cNvPr id="2" name="Title 1"/>
+          <p:cNvSpPr>
+            <a:spLocks noGrp="1"/>
+          </p:cNvSpPr>
+          <p:nvPr>
+            <p:ph type="title"/>
+          </p:nvPr>
+        </p:nvSpPr>
+        <p:spPr/>
+        <p:txBody>
+          <a:bodyPr/>
+          <a:lstStyle/>
+          <a:p>
+            <a:r>
+              <a:rPr lang="en-US" smtClean="0"/>
+              <a:t>Auto generate Code and remove code</a:t>
+            </a:r>
+            <a:endParaRPr lang="en-US"/>
+          </a:p>
+        </p:txBody>
+      </p:sp>
+      <p:pic>
+        <p:nvPicPr>
+          <p:cNvPr id="3" name="Picture 2"/>
+          <p:cNvPicPr>
+            <a:picLocks noChangeAspect="1"/>
+          </p:cNvPicPr>
+          <p:nvPr/>
+        </p:nvPicPr>
+        <p:blipFill>
+          <a:blip r:embed="rId2"/>
+          <a:stretch>
+            <a:fillRect/>
+          </a:stretch>
+        </p:blipFill>
+        <p:spPr>
+          <a:xfrm>
+            <a:off x="609600" y="1171781"/>
+            <a:ext cx="6542512" cy="4433888"/>
+          </a:xfrm>
+          <a:prstGeom prst="rect">
+            <a:avLst/>
+          </a:prstGeom>
+        </p:spPr>
+      </p:pic>
+      <p:sp>
+        <p:nvSpPr>
+          <p:cNvPr id="4" name="Rounded Rectangle 3"/>
+          <p:cNvSpPr/>
+          <p:nvPr/>
+        </p:nvSpPr>
+        <p:spPr>
+          <a:xfrm>
+            <a:off x="1042690" y="2251580"/>
+            <a:ext cx="2485701" cy="2916768"/>
+          </a:xfrm>
+          <a:prstGeom prst="roundRect">
+            <a:avLst>
+              <a:gd name="adj" fmla="val 9467"/>
+            </a:avLst>
+          </a:prstGeom>
+          <a:noFill/>
+          <a:ln>
+            <a:solidFill>
+              <a:srgbClr val="FF0000"/>
+            </a:solidFill>
+          </a:ln>
+        </p:spPr>
+        <p:style>
+          <a:lnRef idx="2">
+            <a:schemeClr val="accent1">
+              <a:shade val="50000"/>
+            </a:schemeClr>
+          </a:lnRef>
+          <a:fillRef idx="1">
+            <a:schemeClr val="accent1"/>
+          </a:fillRef>
+          <a:effectRef idx="0">
+            <a:schemeClr val="accent1"/>
+          </a:effectRef>
+          <a:fontRef idx="minor">
+            <a:schemeClr val="lt1"/>
+          </a:fontRef>
+        </p:style>
+        <p:txBody>
+          <a:bodyPr rtlCol="0" anchor="ctr"/>
+          <a:lstStyle/>
+          <a:p>
+            <a:pPr algn="ctr"/>
+            <a:endParaRPr lang="en-US"/>
+          </a:p>
+        </p:txBody>
+      </p:sp>
+      <p:sp>
+        <p:nvSpPr>
+          <p:cNvPr id="5" name="TextBox 4"/>
+          <p:cNvSpPr txBox="1"/>
+          <p:nvPr/>
+        </p:nvSpPr>
+        <p:spPr>
+          <a:xfrm>
+            <a:off x="609600" y="5760417"/>
+            <a:ext cx="3896139" cy="369332"/>
+          </a:xfrm>
+          <a:prstGeom prst="rect">
+            <a:avLst/>
+          </a:prstGeom>
+          <a:noFill/>
+        </p:spPr>
+        <p:txBody>
+          <a:bodyPr wrap="square" rtlCol="0">
+            <a:spAutoFit/>
+          </a:bodyPr>
+          <a:lstStyle/>
+          <a:p>
+            <a:r>
+              <a:rPr lang="en-US" smtClean="0"/>
+              <a:t>Right click at yellow light</a:t>
+            </a:r>
+            <a:endParaRPr lang="en-US"/>
+          </a:p>
+        </p:txBody>
+      </p:sp>
+      <p:sp>
+        <p:nvSpPr>
+          <p:cNvPr id="6" name="Rounded Rectangle 5"/>
+          <p:cNvSpPr/>
+          <p:nvPr/>
+        </p:nvSpPr>
+        <p:spPr>
+          <a:xfrm>
+            <a:off x="752800" y="1814259"/>
+            <a:ext cx="539288" cy="367380"/>
+          </a:xfrm>
+          <a:prstGeom prst="roundRect">
+            <a:avLst>
+              <a:gd name="adj" fmla="val 9467"/>
+            </a:avLst>
+          </a:prstGeom>
+          <a:noFill/>
+          <a:ln>
+            <a:solidFill>
+              <a:srgbClr val="FF0000"/>
+            </a:solidFill>
+          </a:ln>
+        </p:spPr>
+        <p:style>
+          <a:lnRef idx="2">
+            <a:schemeClr val="accent1">
+              <a:shade val="50000"/>
+            </a:schemeClr>
+          </a:lnRef>
+          <a:fillRef idx="1">
+            <a:schemeClr val="accent1"/>
+          </a:fillRef>
+          <a:effectRef idx="0">
+            <a:schemeClr val="accent1"/>
+          </a:effectRef>
+          <a:fontRef idx="minor">
+            <a:schemeClr val="lt1"/>
+          </a:fontRef>
+        </p:style>
+        <p:txBody>
+          <a:bodyPr rtlCol="0" anchor="ctr"/>
+          <a:lstStyle/>
+          <a:p>
+            <a:pPr algn="ctr"/>
+            <a:endParaRPr lang="en-US"/>
+          </a:p>
+        </p:txBody>
+      </p:sp>
+    </p:spTree>
+    <p:extLst>
+      <p:ext uri="{BB962C8B-B14F-4D97-AF65-F5344CB8AC3E}">
+        <p14:creationId xmlns:p14="http://schemas.microsoft.com/office/powerpoint/2010/main" val="3949052126"/>
       </p:ext>
     </p:extLst>
   </p:cSld>
